--- a/presentation/Presentation Taskman.pptx
+++ b/presentation/Presentation Taskman.pptx
@@ -1,11 +1,11 @@
 
 <file path=ppt/presentation.xml><?xml version="1.0" encoding="utf-8"?>
-<p:presentation xmlns:a="http://schemas.openxmlformats.org/drawingml/2006/main" xmlns:r="http://schemas.openxmlformats.org/officeDocument/2006/relationships" xmlns:p="http://schemas.openxmlformats.org/presentationml/2006/main" showSpecialPlsOnTitleSld="0" autoCompressPictures="0">
+<p:presentation xmlns:a="http://schemas.openxmlformats.org/drawingml/2006/main" xmlns:r="http://schemas.openxmlformats.org/officeDocument/2006/relationships" xmlns:p="http://schemas.openxmlformats.org/presentationml/2006/main" autoCompressPictures="0">
   <p:sldMasterIdLst>
     <p:sldMasterId id="2147483789" r:id="rId1"/>
   </p:sldMasterIdLst>
   <p:notesMasterIdLst>
-    <p:notesMasterId r:id="rId11"/>
+    <p:notesMasterId r:id="rId15"/>
   </p:notesMasterIdLst>
   <p:sldIdLst>
     <p:sldId id="256" r:id="rId2"/>
@@ -17,6 +17,10 @@
     <p:sldId id="274" r:id="rId8"/>
     <p:sldId id="269" r:id="rId9"/>
     <p:sldId id="258" r:id="rId10"/>
+    <p:sldId id="275" r:id="rId11"/>
+    <p:sldId id="276" r:id="rId12"/>
+    <p:sldId id="277" r:id="rId13"/>
+    <p:sldId id="278" r:id="rId14"/>
   </p:sldIdLst>
   <p:sldSz cx="12192000" cy="6858000"/>
   <p:notesSz cx="6858000" cy="9144000"/>
@@ -745,7 +749,7 @@
           <a:bodyPr/>
           <a:lstStyle/>
           <a:p>
-            <a:fld id="{B7B9A827-4E60-7A47-8106-DE369D92EABF}" type="datetime1">
+            <a:fld id="{84A78501-FEB7-9F40-830C-D0AAB2AD4F48}" type="datetime1">
               <a:rPr lang="nl-BE" smtClean="0"/>
               <a:t>15/03/18</a:t>
             </a:fld>
@@ -1163,7 +1167,7 @@
           <a:bodyPr/>
           <a:lstStyle/>
           <a:p>
-            <a:fld id="{12981F40-DEE9-024D-960C-4C4DCABC59CF}" type="datetime1">
+            <a:fld id="{76177086-48A2-264E-B402-88D91114D457}" type="datetime1">
               <a:rPr lang="nl-BE" smtClean="0"/>
               <a:t>15/03/18</a:t>
             </a:fld>
@@ -1504,7 +1508,7 @@
           <a:bodyPr/>
           <a:lstStyle/>
           <a:p>
-            <a:fld id="{931D5004-EE8A-BF4C-95E3-343264B67A6A}" type="datetime1">
+            <a:fld id="{9304829E-F7C0-9642-9A23-9289FB9A5910}" type="datetime1">
               <a:rPr lang="nl-BE" smtClean="0"/>
               <a:t>15/03/18</a:t>
             </a:fld>
@@ -1914,7 +1918,7 @@
           <a:bodyPr/>
           <a:lstStyle/>
           <a:p>
-            <a:fld id="{85840D55-AC7D-834C-88D0-35B175752525}" type="datetime1">
+            <a:fld id="{13933368-42C7-2445-90D0-7FDF79B06F8C}" type="datetime1">
               <a:rPr lang="nl-BE" smtClean="0"/>
               <a:t>15/03/18</a:t>
             </a:fld>
@@ -2487,7 +2491,7 @@
           <a:bodyPr/>
           <a:lstStyle/>
           <a:p>
-            <a:fld id="{4128BF98-46A4-E04D-9000-90E5F95C56E0}" type="datetime1">
+            <a:fld id="{97F7AD88-A408-674E-86F5-965D41E73B54}" type="datetime1">
               <a:rPr lang="nl-BE" smtClean="0"/>
               <a:t>15/03/18</a:t>
             </a:fld>
@@ -3173,7 +3177,7 @@
           <a:bodyPr/>
           <a:lstStyle/>
           <a:p>
-            <a:fld id="{11361CFD-3531-7942-A0A8-9C1FC131ADCA}" type="datetime1">
+            <a:fld id="{6EFD2F8C-7789-CE42-9F44-92A4799CA613}" type="datetime1">
               <a:rPr lang="nl-BE" smtClean="0"/>
               <a:t>15/03/18</a:t>
             </a:fld>
@@ -4091,7 +4095,7 @@
           <a:bodyPr/>
           <a:lstStyle/>
           <a:p>
-            <a:fld id="{46CB37A8-D21A-954D-80D4-C180314B659E}" type="datetime1">
+            <a:fld id="{000EBB8A-F93B-F34B-A8CD-A9954939CE62}" type="datetime1">
               <a:rPr lang="nl-BE" smtClean="0"/>
               <a:t>15/03/18</a:t>
             </a:fld>
@@ -4409,7 +4413,7 @@
           <a:bodyPr/>
           <a:lstStyle/>
           <a:p>
-            <a:fld id="{F45BBB8C-43E1-7040-8A8C-7193BF8E9117}" type="datetime1">
+            <a:fld id="{126BF74D-C487-5D42-8D0F-D1C5EED25BDE}" type="datetime1">
               <a:rPr lang="nl-BE" smtClean="0"/>
               <a:t>15/03/18</a:t>
             </a:fld>
@@ -4677,7 +4681,7 @@
           <a:bodyPr/>
           <a:lstStyle/>
           <a:p>
-            <a:fld id="{80B3C280-7729-2742-BAC0-7263B456D951}" type="datetime1">
+            <a:fld id="{2AB7FA4C-AFBA-E24C-AE5F-3EA8519423F8}" type="datetime1">
               <a:rPr lang="nl-BE" smtClean="0"/>
               <a:t>15/03/18</a:t>
             </a:fld>
@@ -5004,7 +5008,7 @@
           <a:bodyPr/>
           <a:lstStyle/>
           <a:p>
-            <a:fld id="{70FD0DF1-CDE2-8148-902A-69A40E38E0CE}" type="datetime1">
+            <a:fld id="{BDEF5315-5DBF-1A4B-A2E2-CCB7FBEB274D}" type="datetime1">
               <a:rPr lang="nl-BE" smtClean="0"/>
               <a:t>15/03/18</a:t>
             </a:fld>
@@ -5397,7 +5401,7 @@
           <a:bodyPr/>
           <a:lstStyle/>
           <a:p>
-            <a:fld id="{524BDC4C-071C-864C-9F41-2791D896E6F4}" type="datetime1">
+            <a:fld id="{2160870F-5975-AC48-89B9-6F9F4C5719F5}" type="datetime1">
               <a:rPr lang="nl-BE" smtClean="0"/>
               <a:t>15/03/18</a:t>
             </a:fld>
@@ -5777,7 +5781,7 @@
           <a:bodyPr/>
           <a:lstStyle/>
           <a:p>
-            <a:fld id="{137E4C37-8168-D043-9FFF-6AEB4766173D}" type="datetime1">
+            <a:fld id="{59DDAD86-F5AB-7649-BBC1-E1085B5C24D6}" type="datetime1">
               <a:rPr lang="nl-BE" smtClean="0"/>
               <a:t>15/03/18</a:t>
             </a:fld>
@@ -6287,7 +6291,7 @@
           <a:bodyPr/>
           <a:lstStyle/>
           <a:p>
-            <a:fld id="{749F561C-2D0A-6348-8597-D92F08F5E06F}" type="datetime1">
+            <a:fld id="{FA85E210-5679-5D43-B88C-6AB3D1179477}" type="datetime1">
               <a:rPr lang="nl-BE" smtClean="0"/>
               <a:t>15/03/18</a:t>
             </a:fld>
@@ -6548,7 +6552,7 @@
           <a:bodyPr/>
           <a:lstStyle/>
           <a:p>
-            <a:fld id="{4700BE7D-D784-B348-8B7E-D52FDE8DFA76}" type="datetime1">
+            <a:fld id="{E0069C71-5082-B441-B485-D2A829BE4A48}" type="datetime1">
               <a:rPr lang="nl-BE" smtClean="0"/>
               <a:t>15/03/18</a:t>
             </a:fld>
@@ -6715,7 +6719,7 @@
           <a:bodyPr/>
           <a:lstStyle/>
           <a:p>
-            <a:fld id="{D87843A0-81C6-6848-BE3A-766AF85743C3}" type="datetime1">
+            <a:fld id="{8F5A822E-0645-C94E-92A6-D2C18C4996C1}" type="datetime1">
               <a:rPr lang="nl-BE" smtClean="0"/>
               <a:t>15/03/18</a:t>
             </a:fld>
@@ -7109,7 +7113,7 @@
           <a:bodyPr/>
           <a:lstStyle/>
           <a:p>
-            <a:fld id="{FDCEDD08-D308-AE47-A3B3-E39786F3C00A}" type="datetime1">
+            <a:fld id="{6982BE66-2A5B-DC41-9507-2FDECDEA2192}" type="datetime1">
               <a:rPr lang="nl-BE" smtClean="0"/>
               <a:t>15/03/18</a:t>
             </a:fld>
@@ -7522,7 +7526,7 @@
           <a:bodyPr/>
           <a:lstStyle/>
           <a:p>
-            <a:fld id="{ED9D2C35-966B-0146-AC41-AE9CC1EB7521}" type="datetime1">
+            <a:fld id="{F6DB36B0-8F57-7147-AEEB-DBC7F3FE5E7C}" type="datetime1">
               <a:rPr lang="nl-BE" smtClean="0"/>
               <a:t>15/03/18</a:t>
             </a:fld>
@@ -7770,7 +7774,7 @@
             </a:lvl1pPr>
           </a:lstStyle>
           <a:p>
-            <a:fld id="{FCDA320A-AC2E-DB4E-A5FF-DD108904AE6F}" type="datetime1">
+            <a:fld id="{3B8BDBC9-5A50-C748-B075-1427B25120B1}" type="datetime1">
               <a:rPr lang="nl-BE" smtClean="0"/>
               <a:t>15/03/18</a:t>
             </a:fld>
@@ -7888,7 +7892,7 @@
     <p:sldLayoutId id="2147483805" r:id="rId16"/>
     <p:sldLayoutId id="2147483806" r:id="rId17"/>
   </p:sldLayoutIdLst>
-  <p:hf sldNum="0" hdr="0" dt="0"/>
+  <p:hf sldNum="0" hdr="0" ftr="0" dt="0"/>
   <p:txStyles>
     <p:titleStyle>
       <a:lvl1pPr algn="l" defTabSz="914400" rtl="0" eaLnBrk="1" latinLnBrk="0" hangingPunct="1">
@@ -8272,6 +8276,838 @@
 </p:sld>
 </file>
 
+<file path=ppt/slides/slide10.xml><?xml version="1.0" encoding="utf-8"?>
+<p:sld xmlns:a="http://schemas.openxmlformats.org/drawingml/2006/main" xmlns:r="http://schemas.openxmlformats.org/officeDocument/2006/relationships" xmlns:p="http://schemas.openxmlformats.org/presentationml/2006/main">
+  <p:cSld>
+    <p:spTree>
+      <p:nvGrpSpPr>
+        <p:cNvPr id="1" name=""/>
+        <p:cNvGrpSpPr/>
+        <p:nvPr/>
+      </p:nvGrpSpPr>
+      <p:grpSpPr>
+        <a:xfrm>
+          <a:off x="0" y="0"/>
+          <a:ext cx="0" cy="0"/>
+          <a:chOff x="0" y="0"/>
+          <a:chExt cx="0" cy="0"/>
+        </a:xfrm>
+      </p:grpSpPr>
+      <p:sp>
+        <p:nvSpPr>
+          <p:cNvPr id="6" name="Titel 5">
+            <a:extLst>
+              <a:ext uri="{FF2B5EF4-FFF2-40B4-BE49-F238E27FC236}">
+                <a16:creationId xmlns:a16="http://schemas.microsoft.com/office/drawing/2014/main" id="{6F2728CC-F860-D747-8449-9A9DFA34A3A1}"/>
+              </a:ext>
+            </a:extLst>
+          </p:cNvPr>
+          <p:cNvSpPr>
+            <a:spLocks noGrp="1"/>
+          </p:cNvSpPr>
+          <p:nvPr>
+            <p:ph type="title"/>
+          </p:nvPr>
+        </p:nvSpPr>
+        <p:spPr/>
+        <p:txBody>
+          <a:bodyPr/>
+          <a:lstStyle/>
+          <a:p>
+            <a:r>
+              <a:rPr lang="nl-BE" dirty="0"/>
+              <a:t>Use cases</a:t>
+            </a:r>
+          </a:p>
+        </p:txBody>
+      </p:sp>
+      <p:pic>
+        <p:nvPicPr>
+          <p:cNvPr id="7" name="Afbeelding 6">
+            <a:extLst>
+              <a:ext uri="{FF2B5EF4-FFF2-40B4-BE49-F238E27FC236}">
+                <a16:creationId xmlns:a16="http://schemas.microsoft.com/office/drawing/2014/main" id="{5D0CC5A0-E063-D946-A00B-C9C8D271589F}"/>
+              </a:ext>
+            </a:extLst>
+          </p:cNvPr>
+          <p:cNvPicPr>
+            <a:picLocks noChangeAspect="1"/>
+          </p:cNvPicPr>
+          <p:nvPr/>
+        </p:nvPicPr>
+        <p:blipFill>
+          <a:blip r:embed="rId2">
+            <a:lum/>
+            <a:alphaModFix/>
+          </a:blip>
+          <a:srcRect/>
+          <a:stretch>
+            <a:fillRect/>
+          </a:stretch>
+        </p:blipFill>
+        <p:spPr>
+          <a:xfrm>
+            <a:off x="6253920" y="2158560"/>
+            <a:ext cx="4854600" cy="4431960"/>
+          </a:xfrm>
+          <a:prstGeom prst="rect">
+            <a:avLst/>
+          </a:prstGeom>
+          <a:noFill/>
+          <a:ln w="38100">
+            <a:solidFill>
+              <a:schemeClr val="bg1"/>
+            </a:solidFill>
+          </a:ln>
+        </p:spPr>
+      </p:pic>
+      <p:pic>
+        <p:nvPicPr>
+          <p:cNvPr id="8" name="Afbeelding 7">
+            <a:extLst>
+              <a:ext uri="{FF2B5EF4-FFF2-40B4-BE49-F238E27FC236}">
+                <a16:creationId xmlns:a16="http://schemas.microsoft.com/office/drawing/2014/main" id="{25A5769D-F05D-E24D-99C4-8A591C2F0689}"/>
+              </a:ext>
+            </a:extLst>
+          </p:cNvPr>
+          <p:cNvPicPr>
+            <a:picLocks noChangeAspect="1"/>
+          </p:cNvPicPr>
+          <p:nvPr/>
+        </p:nvPicPr>
+        <p:blipFill>
+          <a:blip r:embed="rId3">
+            <a:lum/>
+            <a:alphaModFix/>
+          </a:blip>
+          <a:srcRect/>
+          <a:stretch>
+            <a:fillRect/>
+          </a:stretch>
+        </p:blipFill>
+        <p:spPr>
+          <a:xfrm>
+            <a:off x="637200" y="2252880"/>
+            <a:ext cx="5175720" cy="4242600"/>
+          </a:xfrm>
+          <a:prstGeom prst="rect">
+            <a:avLst/>
+          </a:prstGeom>
+          <a:noFill/>
+          <a:ln w="38100">
+            <a:solidFill>
+              <a:schemeClr val="bg1"/>
+            </a:solidFill>
+          </a:ln>
+        </p:spPr>
+      </p:pic>
+    </p:spTree>
+    <p:extLst>
+      <p:ext uri="{BB962C8B-B14F-4D97-AF65-F5344CB8AC3E}">
+        <p14:creationId xmlns:p14="http://schemas.microsoft.com/office/powerpoint/2010/main" val="3036370823"/>
+      </p:ext>
+    </p:extLst>
+  </p:cSld>
+  <p:clrMapOvr>
+    <a:masterClrMapping/>
+  </p:clrMapOvr>
+</p:sld>
+</file>
+
+<file path=ppt/slides/slide11.xml><?xml version="1.0" encoding="utf-8"?>
+<p:sld xmlns:a="http://schemas.openxmlformats.org/drawingml/2006/main" xmlns:r="http://schemas.openxmlformats.org/officeDocument/2006/relationships" xmlns:p="http://schemas.openxmlformats.org/presentationml/2006/main">
+  <p:cSld>
+    <p:spTree>
+      <p:nvGrpSpPr>
+        <p:cNvPr id="1" name=""/>
+        <p:cNvGrpSpPr/>
+        <p:nvPr/>
+      </p:nvGrpSpPr>
+      <p:grpSpPr>
+        <a:xfrm>
+          <a:off x="0" y="0"/>
+          <a:ext cx="0" cy="0"/>
+          <a:chOff x="0" y="0"/>
+          <a:chExt cx="0" cy="0"/>
+        </a:xfrm>
+      </p:grpSpPr>
+      <p:sp>
+        <p:nvSpPr>
+          <p:cNvPr id="2" name="Titel 1">
+            <a:extLst>
+              <a:ext uri="{FF2B5EF4-FFF2-40B4-BE49-F238E27FC236}">
+                <a16:creationId xmlns:a16="http://schemas.microsoft.com/office/drawing/2014/main" id="{CE0DCE9B-716C-434D-ABC8-8EADE7ACEA6A}"/>
+              </a:ext>
+            </a:extLst>
+          </p:cNvPr>
+          <p:cNvSpPr>
+            <a:spLocks noGrp="1"/>
+          </p:cNvSpPr>
+          <p:nvPr>
+            <p:ph type="title"/>
+          </p:nvPr>
+        </p:nvSpPr>
+        <p:spPr/>
+        <p:txBody>
+          <a:bodyPr/>
+          <a:lstStyle/>
+          <a:p>
+            <a:r>
+              <a:rPr lang="nl-BE" dirty="0"/>
+              <a:t>Use cases</a:t>
+            </a:r>
+          </a:p>
+        </p:txBody>
+      </p:sp>
+      <p:pic>
+        <p:nvPicPr>
+          <p:cNvPr id="6" name="Afbeelding 5">
+            <a:extLst>
+              <a:ext uri="{FF2B5EF4-FFF2-40B4-BE49-F238E27FC236}">
+                <a16:creationId xmlns:a16="http://schemas.microsoft.com/office/drawing/2014/main" id="{846B12AD-CBFF-2E4F-93D3-3E004FB32234}"/>
+              </a:ext>
+            </a:extLst>
+          </p:cNvPr>
+          <p:cNvPicPr>
+            <a:picLocks noChangeAspect="1"/>
+          </p:cNvPicPr>
+          <p:nvPr/>
+        </p:nvPicPr>
+        <p:blipFill>
+          <a:blip r:embed="rId2">
+            <a:lum/>
+            <a:alphaModFix/>
+          </a:blip>
+          <a:srcRect/>
+          <a:stretch>
+            <a:fillRect/>
+          </a:stretch>
+        </p:blipFill>
+        <p:spPr>
+          <a:xfrm>
+            <a:off x="5884200" y="2156400"/>
+            <a:ext cx="5964479" cy="4433760"/>
+          </a:xfrm>
+          <a:prstGeom prst="rect">
+            <a:avLst/>
+          </a:prstGeom>
+          <a:noFill/>
+          <a:ln w="38100">
+            <a:solidFill>
+              <a:schemeClr val="bg1"/>
+            </a:solidFill>
+          </a:ln>
+        </p:spPr>
+      </p:pic>
+      <p:pic>
+        <p:nvPicPr>
+          <p:cNvPr id="7" name="Afbeelding 6">
+            <a:extLst>
+              <a:ext uri="{FF2B5EF4-FFF2-40B4-BE49-F238E27FC236}">
+                <a16:creationId xmlns:a16="http://schemas.microsoft.com/office/drawing/2014/main" id="{476B41FF-8BA0-194A-BF35-1EB2EFD046A2}"/>
+              </a:ext>
+            </a:extLst>
+          </p:cNvPr>
+          <p:cNvPicPr>
+            <a:picLocks noChangeAspect="1"/>
+          </p:cNvPicPr>
+          <p:nvPr/>
+        </p:nvPicPr>
+        <p:blipFill>
+          <a:blip r:embed="rId3">
+            <a:lum/>
+            <a:alphaModFix/>
+          </a:blip>
+          <a:srcRect/>
+          <a:stretch>
+            <a:fillRect/>
+          </a:stretch>
+        </p:blipFill>
+        <p:spPr>
+          <a:xfrm>
+            <a:off x="258840" y="2302200"/>
+            <a:ext cx="5393160" cy="4167000"/>
+          </a:xfrm>
+          <a:prstGeom prst="rect">
+            <a:avLst/>
+          </a:prstGeom>
+          <a:noFill/>
+          <a:ln w="38100">
+            <a:solidFill>
+              <a:schemeClr val="bg1"/>
+            </a:solidFill>
+          </a:ln>
+        </p:spPr>
+      </p:pic>
+    </p:spTree>
+    <p:extLst>
+      <p:ext uri="{BB962C8B-B14F-4D97-AF65-F5344CB8AC3E}">
+        <p14:creationId xmlns:p14="http://schemas.microsoft.com/office/powerpoint/2010/main" val="2728151593"/>
+      </p:ext>
+    </p:extLst>
+  </p:cSld>
+  <p:clrMapOvr>
+    <a:masterClrMapping/>
+  </p:clrMapOvr>
+</p:sld>
+</file>
+
+<file path=ppt/slides/slide12.xml><?xml version="1.0" encoding="utf-8"?>
+<p:sld xmlns:a="http://schemas.openxmlformats.org/drawingml/2006/main" xmlns:r="http://schemas.openxmlformats.org/officeDocument/2006/relationships" xmlns:p="http://schemas.openxmlformats.org/presentationml/2006/main">
+  <p:cSld>
+    <p:spTree>
+      <p:nvGrpSpPr>
+        <p:cNvPr id="1" name=""/>
+        <p:cNvGrpSpPr/>
+        <p:nvPr/>
+      </p:nvGrpSpPr>
+      <p:grpSpPr>
+        <a:xfrm>
+          <a:off x="0" y="0"/>
+          <a:ext cx="0" cy="0"/>
+          <a:chOff x="0" y="0"/>
+          <a:chExt cx="0" cy="0"/>
+        </a:xfrm>
+      </p:grpSpPr>
+      <p:sp>
+        <p:nvSpPr>
+          <p:cNvPr id="2" name="Titel 1">
+            <a:extLst>
+              <a:ext uri="{FF2B5EF4-FFF2-40B4-BE49-F238E27FC236}">
+                <a16:creationId xmlns:a16="http://schemas.microsoft.com/office/drawing/2014/main" id="{4E5EF540-F11D-174F-8465-437970493C0B}"/>
+              </a:ext>
+            </a:extLst>
+          </p:cNvPr>
+          <p:cNvSpPr>
+            <a:spLocks noGrp="1"/>
+          </p:cNvSpPr>
+          <p:nvPr>
+            <p:ph type="title"/>
+          </p:nvPr>
+        </p:nvSpPr>
+        <p:spPr/>
+        <p:txBody>
+          <a:bodyPr/>
+          <a:lstStyle/>
+          <a:p>
+            <a:r>
+              <a:rPr lang="nl-BE" dirty="0"/>
+              <a:t>Use cases</a:t>
+            </a:r>
+          </a:p>
+        </p:txBody>
+      </p:sp>
+      <p:pic>
+        <p:nvPicPr>
+          <p:cNvPr id="4" name="Afbeelding 3">
+            <a:extLst>
+              <a:ext uri="{FF2B5EF4-FFF2-40B4-BE49-F238E27FC236}">
+                <a16:creationId xmlns:a16="http://schemas.microsoft.com/office/drawing/2014/main" id="{1070C805-E5BF-274F-8AA5-D2EF72756AC6}"/>
+              </a:ext>
+            </a:extLst>
+          </p:cNvPr>
+          <p:cNvPicPr>
+            <a:picLocks noChangeAspect="1"/>
+          </p:cNvPicPr>
+          <p:nvPr/>
+        </p:nvPicPr>
+        <p:blipFill>
+          <a:blip r:embed="rId2">
+            <a:lum/>
+            <a:alphaModFix/>
+          </a:blip>
+          <a:srcRect/>
+          <a:stretch>
+            <a:fillRect/>
+          </a:stretch>
+        </p:blipFill>
+        <p:spPr>
+          <a:xfrm>
+            <a:off x="2901240" y="2596320"/>
+            <a:ext cx="6321960" cy="3152160"/>
+          </a:xfrm>
+          <a:prstGeom prst="rect">
+            <a:avLst/>
+          </a:prstGeom>
+          <a:noFill/>
+          <a:ln w="38100">
+            <a:solidFill>
+              <a:schemeClr val="bg1"/>
+            </a:solidFill>
+          </a:ln>
+        </p:spPr>
+      </p:pic>
+    </p:spTree>
+    <p:extLst>
+      <p:ext uri="{BB962C8B-B14F-4D97-AF65-F5344CB8AC3E}">
+        <p14:creationId xmlns:p14="http://schemas.microsoft.com/office/powerpoint/2010/main" val="2238349620"/>
+      </p:ext>
+    </p:extLst>
+  </p:cSld>
+  <p:clrMapOvr>
+    <a:masterClrMapping/>
+  </p:clrMapOvr>
+</p:sld>
+</file>
+
+<file path=ppt/slides/slide13.xml><?xml version="1.0" encoding="utf-8"?>
+<p:sld xmlns:a="http://schemas.openxmlformats.org/drawingml/2006/main" xmlns:r="http://schemas.openxmlformats.org/officeDocument/2006/relationships" xmlns:p="http://schemas.openxmlformats.org/presentationml/2006/main">
+  <p:cSld>
+    <p:spTree>
+      <p:nvGrpSpPr>
+        <p:cNvPr id="1" name=""/>
+        <p:cNvGrpSpPr/>
+        <p:nvPr/>
+      </p:nvGrpSpPr>
+      <p:grpSpPr>
+        <a:xfrm>
+          <a:off x="0" y="0"/>
+          <a:ext cx="0" cy="0"/>
+          <a:chOff x="0" y="0"/>
+          <a:chExt cx="0" cy="0"/>
+        </a:xfrm>
+      </p:grpSpPr>
+      <p:sp>
+        <p:nvSpPr>
+          <p:cNvPr id="2" name="Titel 1">
+            <a:extLst>
+              <a:ext uri="{FF2B5EF4-FFF2-40B4-BE49-F238E27FC236}">
+                <a16:creationId xmlns:a16="http://schemas.microsoft.com/office/drawing/2014/main" id="{B64DE465-A2E8-334F-A84B-D24394E9B3D3}"/>
+              </a:ext>
+            </a:extLst>
+          </p:cNvPr>
+          <p:cNvSpPr>
+            <a:spLocks noGrp="1"/>
+          </p:cNvSpPr>
+          <p:nvPr>
+            <p:ph type="title"/>
+          </p:nvPr>
+        </p:nvSpPr>
+        <p:spPr/>
+        <p:txBody>
+          <a:bodyPr/>
+          <a:lstStyle/>
+          <a:p>
+            <a:r>
+              <a:rPr lang="nl-BE" dirty="0"/>
+              <a:t>Project management</a:t>
+            </a:r>
+          </a:p>
+        </p:txBody>
+      </p:sp>
+      <p:sp>
+        <p:nvSpPr>
+          <p:cNvPr id="4" name="Tijdelijke aanduiding voor inhoud 3">
+            <a:extLst>
+              <a:ext uri="{FF2B5EF4-FFF2-40B4-BE49-F238E27FC236}">
+                <a16:creationId xmlns:a16="http://schemas.microsoft.com/office/drawing/2014/main" id="{0DFA6B1E-58CA-D243-9CDD-C4E3B69A8D6C}"/>
+              </a:ext>
+            </a:extLst>
+          </p:cNvPr>
+          <p:cNvSpPr>
+            <a:spLocks noGrp="1"/>
+          </p:cNvSpPr>
+          <p:nvPr>
+            <p:ph idx="1"/>
+          </p:nvPr>
+        </p:nvSpPr>
+        <p:spPr/>
+        <p:txBody>
+          <a:bodyPr/>
+          <a:lstStyle/>
+          <a:p>
+            <a:r>
+              <a:rPr lang="nl-BE" b="1" dirty="0"/>
+              <a:t>Design Coordinator: </a:t>
+            </a:r>
+            <a:r>
+              <a:rPr lang="nl-BE" dirty="0"/>
+              <a:t>Julien Benaouda</a:t>
+            </a:r>
+          </a:p>
+          <a:p>
+            <a:r>
+              <a:rPr lang="nl-BE" b="1" dirty="0"/>
+              <a:t>Testing Coordinator: </a:t>
+            </a:r>
+            <a:r>
+              <a:rPr lang="nl-BE" dirty="0"/>
+              <a:t>Alexander Braekevelt</a:t>
+            </a:r>
+          </a:p>
+          <a:p>
+            <a:r>
+              <a:rPr lang="nl-BE" b="1" dirty="0"/>
+              <a:t>Domain Coordinator: </a:t>
+            </a:r>
+            <a:r>
+              <a:rPr lang="nl-BE" dirty="0"/>
+              <a:t>Jeroen Van Der Donckt</a:t>
+            </a:r>
+          </a:p>
+          <a:p>
+            <a:r>
+              <a:rPr lang="nl-BE" dirty="0"/>
+              <a:t>... but actually everyone did everything (of his part of the code)</a:t>
+            </a:r>
+          </a:p>
+          <a:p>
+            <a:r>
+              <a:rPr lang="nl-BE" dirty="0"/>
+              <a:t>next iteration we will continue this approach</a:t>
+            </a:r>
+          </a:p>
+          <a:p>
+            <a:endParaRPr lang="nl-BE" dirty="0"/>
+          </a:p>
+          <a:p>
+            <a:endParaRPr lang="nl-BE" dirty="0"/>
+          </a:p>
+        </p:txBody>
+      </p:sp>
+      <p:graphicFrame>
+        <p:nvGraphicFramePr>
+          <p:cNvPr id="6" name="Tabel 5">
+            <a:extLst>
+              <a:ext uri="{FF2B5EF4-FFF2-40B4-BE49-F238E27FC236}">
+                <a16:creationId xmlns:a16="http://schemas.microsoft.com/office/drawing/2014/main" id="{357A45D4-8A42-A045-8FF7-C774A6CAD7AF}"/>
+              </a:ext>
+            </a:extLst>
+          </p:cNvPr>
+          <p:cNvGraphicFramePr>
+            <a:graphicFrameLocks noGrp="1"/>
+          </p:cNvGraphicFramePr>
+          <p:nvPr>
+            <p:extLst>
+              <p:ext uri="{D42A27DB-BD31-4B8C-83A1-F6EECF244321}">
+                <p14:modId xmlns:p14="http://schemas.microsoft.com/office/powerpoint/2010/main" val="3506938967"/>
+              </p:ext>
+            </p:extLst>
+          </p:nvPr>
+        </p:nvGraphicFramePr>
+        <p:xfrm>
+          <a:off x="1001689" y="4955536"/>
+          <a:ext cx="8128000" cy="1483360"/>
+        </p:xfrm>
+        <a:graphic>
+          <a:graphicData uri="http://schemas.openxmlformats.org/drawingml/2006/table">
+            <a:tbl>
+              <a:tblPr firstRow="1" firstCol="1">
+                <a:tableStyleId>{8EC20E35-A176-4012-BC5E-935CFFF8708E}</a:tableStyleId>
+              </a:tblPr>
+              <a:tblGrid>
+                <a:gridCol w="2032000">
+                  <a:extLst>
+                    <a:ext uri="{9D8B030D-6E8A-4147-A177-3AD203B41FA5}">
+                      <a16:colId xmlns:a16="http://schemas.microsoft.com/office/drawing/2014/main" val="1850958088"/>
+                    </a:ext>
+                  </a:extLst>
+                </a:gridCol>
+                <a:gridCol w="2032000">
+                  <a:extLst>
+                    <a:ext uri="{9D8B030D-6E8A-4147-A177-3AD203B41FA5}">
+                      <a16:colId xmlns:a16="http://schemas.microsoft.com/office/drawing/2014/main" val="2788306276"/>
+                    </a:ext>
+                  </a:extLst>
+                </a:gridCol>
+                <a:gridCol w="2032000">
+                  <a:extLst>
+                    <a:ext uri="{9D8B030D-6E8A-4147-A177-3AD203B41FA5}">
+                      <a16:colId xmlns:a16="http://schemas.microsoft.com/office/drawing/2014/main" val="429828819"/>
+                    </a:ext>
+                  </a:extLst>
+                </a:gridCol>
+                <a:gridCol w="2032000">
+                  <a:extLst>
+                    <a:ext uri="{9D8B030D-6E8A-4147-A177-3AD203B41FA5}">
+                      <a16:colId xmlns:a16="http://schemas.microsoft.com/office/drawing/2014/main" val="952655826"/>
+                    </a:ext>
+                  </a:extLst>
+                </a:gridCol>
+              </a:tblGrid>
+              <a:tr h="370840">
+                <a:tc>
+                  <a:txBody>
+                    <a:bodyPr/>
+                    <a:lstStyle/>
+                    <a:p>
+                      <a:endParaRPr lang="nl-BE" dirty="0"/>
+                    </a:p>
+                  </a:txBody>
+                  <a:tcPr/>
+                </a:tc>
+                <a:tc>
+                  <a:txBody>
+                    <a:bodyPr/>
+                    <a:lstStyle/>
+                    <a:p>
+                      <a:r>
+                        <a:rPr lang="nl-BE" dirty="0"/>
+                        <a:t>Julien</a:t>
+                      </a:r>
+                    </a:p>
+                  </a:txBody>
+                  <a:tcPr/>
+                </a:tc>
+                <a:tc>
+                  <a:txBody>
+                    <a:bodyPr/>
+                    <a:lstStyle/>
+                    <a:p>
+                      <a:r>
+                        <a:rPr lang="nl-BE" dirty="0"/>
+                        <a:t>Jeroen</a:t>
+                      </a:r>
+                    </a:p>
+                  </a:txBody>
+                  <a:tcPr/>
+                </a:tc>
+                <a:tc>
+                  <a:txBody>
+                    <a:bodyPr/>
+                    <a:lstStyle/>
+                    <a:p>
+                      <a:r>
+                        <a:rPr lang="nl-BE" dirty="0"/>
+                        <a:t>Alexander</a:t>
+                      </a:r>
+                    </a:p>
+                  </a:txBody>
+                  <a:tcPr/>
+                </a:tc>
+                <a:extLst>
+                  <a:ext uri="{0D108BD9-81ED-4DB2-BD59-A6C34878D82A}">
+                    <a16:rowId xmlns:a16="http://schemas.microsoft.com/office/drawing/2014/main" val="2858401246"/>
+                  </a:ext>
+                </a:extLst>
+              </a:tr>
+              <a:tr h="370840">
+                <a:tc>
+                  <a:txBody>
+                    <a:bodyPr/>
+                    <a:lstStyle/>
+                    <a:p>
+                      <a:r>
+                        <a:rPr lang="nl-BE" dirty="0"/>
+                        <a:t>group work</a:t>
+                      </a:r>
+                    </a:p>
+                  </a:txBody>
+                  <a:tcPr/>
+                </a:tc>
+                <a:tc>
+                  <a:txBody>
+                    <a:bodyPr/>
+                    <a:lstStyle/>
+                    <a:p>
+                      <a:r>
+                        <a:rPr lang="nl-BE" dirty="0"/>
+                        <a:t>±20h</a:t>
+                      </a:r>
+                    </a:p>
+                  </a:txBody>
+                  <a:tcPr/>
+                </a:tc>
+                <a:tc>
+                  <a:txBody>
+                    <a:bodyPr/>
+                    <a:lstStyle/>
+                    <a:p>
+                      <a:r>
+                        <a:rPr lang="nl-BE" dirty="0"/>
+                        <a:t>±20h</a:t>
+                      </a:r>
+                    </a:p>
+                  </a:txBody>
+                  <a:tcPr/>
+                </a:tc>
+                <a:tc>
+                  <a:txBody>
+                    <a:bodyPr/>
+                    <a:lstStyle/>
+                    <a:p>
+                      <a:r>
+                        <a:rPr lang="nl-BE" dirty="0"/>
+                        <a:t>±20h</a:t>
+                      </a:r>
+                    </a:p>
+                  </a:txBody>
+                  <a:tcPr>
+                    <a:lnB>
+                      <a:noFill/>
+                    </a:lnB>
+                  </a:tcPr>
+                </a:tc>
+                <a:extLst>
+                  <a:ext uri="{0D108BD9-81ED-4DB2-BD59-A6C34878D82A}">
+                    <a16:rowId xmlns:a16="http://schemas.microsoft.com/office/drawing/2014/main" val="2418911194"/>
+                  </a:ext>
+                </a:extLst>
+              </a:tr>
+              <a:tr h="370840">
+                <a:tc>
+                  <a:txBody>
+                    <a:bodyPr/>
+                    <a:lstStyle/>
+                    <a:p>
+                      <a:r>
+                        <a:rPr lang="nl-BE" dirty="0"/>
+                        <a:t>individual work</a:t>
+                      </a:r>
+                    </a:p>
+                  </a:txBody>
+                  <a:tcPr/>
+                </a:tc>
+                <a:tc>
+                  <a:txBody>
+                    <a:bodyPr/>
+                    <a:lstStyle/>
+                    <a:p>
+                      <a:r>
+                        <a:rPr lang="nl-BE" dirty="0"/>
+                        <a:t>±60h</a:t>
+                      </a:r>
+                    </a:p>
+                  </a:txBody>
+                  <a:tcPr/>
+                </a:tc>
+                <a:tc>
+                  <a:txBody>
+                    <a:bodyPr/>
+                    <a:lstStyle/>
+                    <a:p>
+                      <a:r>
+                        <a:rPr lang="nl-BE" dirty="0"/>
+                        <a:t>±25h</a:t>
+                      </a:r>
+                    </a:p>
+                  </a:txBody>
+                  <a:tcPr>
+                    <a:lnR>
+                      <a:noFill/>
+                    </a:lnR>
+                  </a:tcPr>
+                </a:tc>
+                <a:tc>
+                  <a:txBody>
+                    <a:bodyPr/>
+                    <a:lstStyle/>
+                    <a:p>
+                      <a:r>
+                        <a:rPr lang="nl-BE" dirty="0"/>
+                        <a:t>±25h</a:t>
+                      </a:r>
+                    </a:p>
+                  </a:txBody>
+                  <a:tcPr>
+                    <a:lnL>
+                      <a:noFill/>
+                    </a:lnL>
+                    <a:lnR>
+                      <a:noFill/>
+                    </a:lnR>
+                    <a:lnT>
+                      <a:noFill/>
+                    </a:lnT>
+                    <a:lnB>
+                      <a:noFill/>
+                    </a:lnB>
+                    <a:lnTlToBr w="12700" cmpd="sng">
+                      <a:noFill/>
+                      <a:prstDash val="solid"/>
+                    </a:lnTlToBr>
+                    <a:lnBlToTr w="12700" cmpd="sng">
+                      <a:noFill/>
+                      <a:prstDash val="solid"/>
+                    </a:lnBlToTr>
+                  </a:tcPr>
+                </a:tc>
+                <a:extLst>
+                  <a:ext uri="{0D108BD9-81ED-4DB2-BD59-A6C34878D82A}">
+                    <a16:rowId xmlns:a16="http://schemas.microsoft.com/office/drawing/2014/main" val="2433338431"/>
+                  </a:ext>
+                </a:extLst>
+              </a:tr>
+              <a:tr h="370840">
+                <a:tc>
+                  <a:txBody>
+                    <a:bodyPr/>
+                    <a:lstStyle/>
+                    <a:p>
+                      <a:r>
+                        <a:rPr lang="nl-BE" dirty="0"/>
+                        <a:t>study</a:t>
+                      </a:r>
+                    </a:p>
+                  </a:txBody>
+                  <a:tcPr/>
+                </a:tc>
+                <a:tc>
+                  <a:txBody>
+                    <a:bodyPr/>
+                    <a:lstStyle/>
+                    <a:p>
+                      <a:r>
+                        <a:rPr lang="nl-BE" dirty="0"/>
+                        <a:t>±60h</a:t>
+                      </a:r>
+                    </a:p>
+                  </a:txBody>
+                  <a:tcPr/>
+                </a:tc>
+                <a:tc>
+                  <a:txBody>
+                    <a:bodyPr/>
+                    <a:lstStyle/>
+                    <a:p>
+                      <a:r>
+                        <a:rPr lang="nl-BE" dirty="0"/>
+                        <a:t>±22h</a:t>
+                      </a:r>
+                    </a:p>
+                  </a:txBody>
+                  <a:tcPr/>
+                </a:tc>
+                <a:tc>
+                  <a:txBody>
+                    <a:bodyPr/>
+                    <a:lstStyle/>
+                    <a:p>
+                      <a:r>
+                        <a:rPr lang="nl-BE" dirty="0"/>
+                        <a:t>±10h</a:t>
+                      </a:r>
+                    </a:p>
+                  </a:txBody>
+                  <a:tcPr>
+                    <a:lnT>
+                      <a:noFill/>
+                    </a:lnT>
+                  </a:tcPr>
+                </a:tc>
+                <a:extLst>
+                  <a:ext uri="{0D108BD9-81ED-4DB2-BD59-A6C34878D82A}">
+                    <a16:rowId xmlns:a16="http://schemas.microsoft.com/office/drawing/2014/main" val="3749315532"/>
+                  </a:ext>
+                </a:extLst>
+              </a:tr>
+            </a:tbl>
+          </a:graphicData>
+        </a:graphic>
+      </p:graphicFrame>
+    </p:spTree>
+    <p:extLst>
+      <p:ext uri="{BB962C8B-B14F-4D97-AF65-F5344CB8AC3E}">
+        <p14:creationId xmlns:p14="http://schemas.microsoft.com/office/powerpoint/2010/main" val="3509266242"/>
+      </p:ext>
+    </p:extLst>
+  </p:cSld>
+  <p:clrMapOvr>
+    <a:masterClrMapping/>
+  </p:clrMapOvr>
+</p:sld>
+</file>
+
 <file path=ppt/slides/slide2.xml><?xml version="1.0" encoding="utf-8"?>
 <p:sld xmlns:a="http://schemas.openxmlformats.org/drawingml/2006/main" xmlns:r="http://schemas.openxmlformats.org/officeDocument/2006/relationships" xmlns:p="http://schemas.openxmlformats.org/presentationml/2006/main">
   <p:cSld>
@@ -9356,62 +10192,74 @@
               <a:t>Mocking</a:t>
             </a:r>
           </a:p>
-        </p:txBody>
-      </p:sp>
-      <p:sp>
-        <p:nvSpPr>
-          <p:cNvPr id="6" name="Tijdelijke aanduiding voor inhoud 5">
+          <a:p>
+            <a:r>
+              <a:rPr lang="nl-BE" dirty="0"/>
+              <a:t>Unique ID’s</a:t>
+            </a:r>
+          </a:p>
+          <a:p>
+            <a:r>
+              <a:rPr lang="nl-BE" dirty="0"/>
+              <a:t>Checks for loops in depencencies &amp; alternatives</a:t>
+            </a:r>
+          </a:p>
+          <a:p>
+            <a:r>
+              <a:rPr lang="nl-BE" dirty="0"/>
+              <a:t>Checks overlap with timespans of dependencies</a:t>
+            </a:r>
+          </a:p>
+          <a:p>
+            <a:r>
+              <a:rPr lang="nl-BE" dirty="0"/>
+              <a:t>Maps for forms &amp; details</a:t>
+            </a:r>
+          </a:p>
+          <a:p>
+            <a:r>
+              <a:rPr lang="nl-BE" dirty="0"/>
+              <a:t>LocalDateTime, Duration</a:t>
+            </a:r>
+          </a:p>
+          <a:p>
+            <a:endParaRPr lang="nl-BE" dirty="0"/>
+          </a:p>
+        </p:txBody>
+      </p:sp>
+      <p:pic>
+        <p:nvPicPr>
+          <p:cNvPr id="13" name="Tijdelijke aanduiding voor inhoud 12">
             <a:extLst>
               <a:ext uri="{FF2B5EF4-FFF2-40B4-BE49-F238E27FC236}">
-                <a16:creationId xmlns:a16="http://schemas.microsoft.com/office/drawing/2014/main" id="{303E1FF8-F9DD-2A4B-B681-89AF6EB29CF3}"/>
+                <a16:creationId xmlns:a16="http://schemas.microsoft.com/office/drawing/2014/main" id="{6D713E12-6044-3B44-830B-C3078C716F72}"/>
               </a:ext>
             </a:extLst>
           </p:cNvPr>
-          <p:cNvSpPr>
-            <a:spLocks noGrp="1"/>
-          </p:cNvSpPr>
+          <p:cNvPicPr>
+            <a:picLocks noGrp="1" noChangeAspect="1"/>
+          </p:cNvPicPr>
           <p:nvPr>
             <p:ph sz="half" idx="2"/>
           </p:nvPr>
-        </p:nvSpPr>
-        <p:spPr/>
-        <p:txBody>
-          <a:bodyPr/>
-          <a:lstStyle/>
-          <a:p>
-            <a:endParaRPr lang="nl-BE"/>
-          </a:p>
-        </p:txBody>
-      </p:sp>
-      <p:sp>
-        <p:nvSpPr>
-          <p:cNvPr id="4" name="Tijdelijke aanduiding voor voettekst 3">
-            <a:extLst>
-              <a:ext uri="{FF2B5EF4-FFF2-40B4-BE49-F238E27FC236}">
-                <a16:creationId xmlns:a16="http://schemas.microsoft.com/office/drawing/2014/main" id="{12DDA8B6-D7EC-1D48-80F7-FE36ADE9381C}"/>
-              </a:ext>
-            </a:extLst>
-          </p:cNvPr>
-          <p:cNvSpPr>
-            <a:spLocks noGrp="1"/>
-          </p:cNvSpPr>
-          <p:nvPr>
-            <p:ph type="ftr" sz="quarter" idx="11"/>
-          </p:nvPr>
-        </p:nvSpPr>
-        <p:spPr/>
-        <p:txBody>
-          <a:bodyPr/>
-          <a:lstStyle/>
-          <a:p>
-            <a:r>
-              <a:rPr lang="en-US"/>
-              <a:t>Julien Benaouda, Jeroen Van Der Donckt &amp; Alexander Braekevelt</a:t>
-            </a:r>
-            <a:endParaRPr lang="en-US" dirty="0"/>
-          </a:p>
-        </p:txBody>
-      </p:sp>
+        </p:nvPicPr>
+        <p:blipFill rotWithShape="1">
+          <a:blip r:embed="rId2"/>
+          <a:srcRect l="13070" t="66320" b="8346"/>
+          <a:stretch/>
+        </p:blipFill>
+        <p:spPr>
+          <a:xfrm>
+            <a:off x="5378678" y="2336873"/>
+            <a:ext cx="6813322" cy="4521127"/>
+          </a:xfrm>
+          <a:ln w="38100">
+            <a:solidFill>
+              <a:schemeClr val="bg1"/>
+            </a:solidFill>
+          </a:ln>
+        </p:spPr>
+      </p:pic>
     </p:spTree>
     <p:extLst>
       <p:ext uri="{BB962C8B-B14F-4D97-AF65-F5344CB8AC3E}">
@@ -9499,13 +10347,7 @@
           <a:p>
             <a:r>
               <a:rPr lang="nl-BE" dirty="0"/>
-              <a:t>Creator: verkeerd!</a:t>
-            </a:r>
-          </a:p>
-          <a:p>
-            <a:r>
-              <a:rPr lang="nl-BE" dirty="0"/>
-              <a:t>Indirection</a:t>
+              <a:t>Task Creator in wrong class (!)</a:t>
             </a:r>
           </a:p>
           <a:p>
@@ -9513,6 +10355,33 @@
               <a:rPr lang="nl-BE" dirty="0"/>
               <a:t>Don’t Talk to Strangers</a:t>
             </a:r>
+          </a:p>
+          <a:p>
+            <a:r>
+              <a:rPr lang="nl-BE" dirty="0"/>
+              <a:t>Unique name</a:t>
+            </a:r>
+          </a:p>
+          <a:p>
+            <a:r>
+              <a:rPr lang="nl-BE" dirty="0"/>
+              <a:t>Tasks not shared</a:t>
+            </a:r>
+          </a:p>
+          <a:p>
+            <a:r>
+              <a:rPr lang="nl-BE" dirty="0"/>
+              <a:t>Maps for forms &amp; details</a:t>
+            </a:r>
+          </a:p>
+          <a:p>
+            <a:r>
+              <a:rPr lang="nl-BE" dirty="0"/>
+              <a:t>LocalDateTime, Duration</a:t>
+            </a:r>
+          </a:p>
+          <a:p>
+            <a:endParaRPr lang="nl-BE" dirty="0"/>
           </a:p>
         </p:txBody>
       </p:sp>
@@ -9541,35 +10410,40 @@
           </a:p>
         </p:txBody>
       </p:sp>
-      <p:sp>
-        <p:nvSpPr>
-          <p:cNvPr id="4" name="Tijdelijke aanduiding voor voettekst 3">
+      <p:pic>
+        <p:nvPicPr>
+          <p:cNvPr id="7" name="Tijdelijke aanduiding voor inhoud 12">
             <a:extLst>
               <a:ext uri="{FF2B5EF4-FFF2-40B4-BE49-F238E27FC236}">
-                <a16:creationId xmlns:a16="http://schemas.microsoft.com/office/drawing/2014/main" id="{12DDA8B6-D7EC-1D48-80F7-FE36ADE9381C}"/>
+                <a16:creationId xmlns:a16="http://schemas.microsoft.com/office/drawing/2014/main" id="{6A92FEB0-6037-DF48-BAE7-D05DBD14628D}"/>
               </a:ext>
             </a:extLst>
           </p:cNvPr>
-          <p:cNvSpPr>
-            <a:spLocks noGrp="1"/>
-          </p:cNvSpPr>
-          <p:nvPr>
-            <p:ph type="ftr" sz="quarter" idx="11"/>
-          </p:nvPr>
-        </p:nvSpPr>
-        <p:spPr/>
-        <p:txBody>
-          <a:bodyPr/>
-          <a:lstStyle/>
-          <a:p>
-            <a:r>
-              <a:rPr lang="en-US"/>
-              <a:t>Julien Benaouda, Jeroen Van Der Donckt &amp; Alexander Braekevelt</a:t>
-            </a:r>
-            <a:endParaRPr lang="en-US" dirty="0"/>
-          </a:p>
-        </p:txBody>
-      </p:sp>
+          <p:cNvPicPr>
+            <a:picLocks noChangeAspect="1"/>
+          </p:cNvPicPr>
+          <p:nvPr/>
+        </p:nvPicPr>
+        <p:blipFill rotWithShape="1">
+          <a:blip r:embed="rId2"/>
+          <a:srcRect l="3803" t="45614" r="25354" b="33740"/>
+          <a:stretch/>
+        </p:blipFill>
+        <p:spPr>
+          <a:xfrm>
+            <a:off x="5378678" y="2336873"/>
+            <a:ext cx="6813322" cy="4521127"/>
+          </a:xfrm>
+          <a:prstGeom prst="rect">
+            <a:avLst/>
+          </a:prstGeom>
+          <a:ln w="38100">
+            <a:solidFill>
+              <a:schemeClr val="bg1"/>
+            </a:solidFill>
+          </a:ln>
+        </p:spPr>
+      </p:pic>
     </p:spTree>
     <p:extLst>
       <p:ext uri="{BB962C8B-B14F-4D97-AF65-F5344CB8AC3E}">
@@ -9660,6 +10534,12 @@
               <a:t>Don’t Talk to Strangers</a:t>
             </a:r>
           </a:p>
+          <a:p>
+            <a:r>
+              <a:rPr lang="nl-BE" dirty="0"/>
+              <a:t>LocalDateTime, DateTimeFormatter</a:t>
+            </a:r>
+          </a:p>
         </p:txBody>
       </p:sp>
       <p:sp>
@@ -9687,35 +10567,40 @@
           </a:p>
         </p:txBody>
       </p:sp>
-      <p:sp>
-        <p:nvSpPr>
-          <p:cNvPr id="4" name="Tijdelijke aanduiding voor voettekst 3">
+      <p:pic>
+        <p:nvPicPr>
+          <p:cNvPr id="7" name="Tijdelijke aanduiding voor inhoud 12">
             <a:extLst>
               <a:ext uri="{FF2B5EF4-FFF2-40B4-BE49-F238E27FC236}">
-                <a16:creationId xmlns:a16="http://schemas.microsoft.com/office/drawing/2014/main" id="{12DDA8B6-D7EC-1D48-80F7-FE36ADE9381C}"/>
+                <a16:creationId xmlns:a16="http://schemas.microsoft.com/office/drawing/2014/main" id="{0EC31370-5C54-6E4F-A9B7-E71202093114}"/>
               </a:ext>
             </a:extLst>
           </p:cNvPr>
-          <p:cNvSpPr>
-            <a:spLocks noGrp="1"/>
-          </p:cNvSpPr>
-          <p:nvPr>
-            <p:ph type="ftr" sz="quarter" idx="11"/>
-          </p:nvPr>
-        </p:nvSpPr>
-        <p:spPr/>
-        <p:txBody>
-          <a:bodyPr/>
-          <a:lstStyle/>
-          <a:p>
-            <a:r>
-              <a:rPr lang="en-US"/>
-              <a:t>Julien Benaouda, Jeroen Van Der Donckt &amp; Alexander Braekevelt</a:t>
-            </a:r>
-            <a:endParaRPr lang="en-US" dirty="0"/>
-          </a:p>
-        </p:txBody>
-      </p:sp>
+          <p:cNvPicPr>
+            <a:picLocks noChangeAspect="1"/>
+          </p:cNvPicPr>
+          <p:nvPr/>
+        </p:nvPicPr>
+        <p:blipFill rotWithShape="1">
+          <a:blip r:embed="rId2"/>
+          <a:srcRect l="48597" t="50000" r="7034" b="37070"/>
+          <a:stretch/>
+        </p:blipFill>
+        <p:spPr>
+          <a:xfrm>
+            <a:off x="5378678" y="2336873"/>
+            <a:ext cx="6813322" cy="4521127"/>
+          </a:xfrm>
+          <a:prstGeom prst="rect">
+            <a:avLst/>
+          </a:prstGeom>
+          <a:ln w="38100">
+            <a:solidFill>
+              <a:schemeClr val="bg1"/>
+            </a:solidFill>
+          </a:ln>
+        </p:spPr>
+      </p:pic>
     </p:spTree>
     <p:extLst>
       <p:ext uri="{BB962C8B-B14F-4D97-AF65-F5344CB8AC3E}">
@@ -9797,25 +10682,37 @@
           <a:p>
             <a:r>
               <a:rPr lang="nl-BE" dirty="0"/>
-              <a:t>static class</a:t>
-            </a:r>
-          </a:p>
-          <a:p>
-            <a:r>
-              <a:rPr lang="nl-BE" dirty="0"/>
               <a:t>Information Expert</a:t>
-            </a:r>
-          </a:p>
-          <a:p>
-            <a:r>
-              <a:rPr lang="nl-BE" dirty="0"/>
-              <a:t>Indirection</a:t>
             </a:r>
           </a:p>
           <a:p>
             <a:r>
               <a:rPr lang="nl-BE" dirty="0"/>
               <a:t>Don’t Talk to Strangers</a:t>
+            </a:r>
+          </a:p>
+          <a:p>
+            <a:r>
+              <a:rPr lang="nl-BE" dirty="0"/>
+              <a:t>Static class</a:t>
+            </a:r>
+          </a:p>
+          <a:p>
+            <a:r>
+              <a:rPr lang="nl-BE" dirty="0"/>
+              <a:t>UserType</a:t>
+            </a:r>
+          </a:p>
+          <a:p>
+            <a:r>
+              <a:rPr lang="nl-BE" dirty="0"/>
+              <a:t>No login</a:t>
+            </a:r>
+          </a:p>
+          <a:p>
+            <a:r>
+              <a:rPr lang="nl-BE" dirty="0"/>
+              <a:t>Permission checked in Controller</a:t>
             </a:r>
           </a:p>
         </p:txBody>
@@ -9845,35 +10742,40 @@
           </a:p>
         </p:txBody>
       </p:sp>
-      <p:sp>
-        <p:nvSpPr>
-          <p:cNvPr id="4" name="Tijdelijke aanduiding voor voettekst 3">
+      <p:pic>
+        <p:nvPicPr>
+          <p:cNvPr id="7" name="Tijdelijke aanduiding voor inhoud 12">
             <a:extLst>
               <a:ext uri="{FF2B5EF4-FFF2-40B4-BE49-F238E27FC236}">
-                <a16:creationId xmlns:a16="http://schemas.microsoft.com/office/drawing/2014/main" id="{12DDA8B6-D7EC-1D48-80F7-FE36ADE9381C}"/>
+                <a16:creationId xmlns:a16="http://schemas.microsoft.com/office/drawing/2014/main" id="{40B47AE0-A6ED-8541-AB3E-6ACE7642BA14}"/>
               </a:ext>
             </a:extLst>
           </p:cNvPr>
-          <p:cNvSpPr>
-            <a:spLocks noGrp="1"/>
-          </p:cNvSpPr>
-          <p:nvPr>
-            <p:ph type="ftr" sz="quarter" idx="11"/>
-          </p:nvPr>
-        </p:nvSpPr>
-        <p:spPr/>
-        <p:txBody>
-          <a:bodyPr/>
-          <a:lstStyle/>
-          <a:p>
-            <a:r>
-              <a:rPr lang="en-US"/>
-              <a:t>Julien Benaouda, Jeroen Van Der Donckt &amp; Alexander Braekevelt</a:t>
-            </a:r>
-            <a:endParaRPr lang="en-US" dirty="0"/>
-          </a:p>
-        </p:txBody>
-      </p:sp>
+          <p:cNvPicPr>
+            <a:picLocks noChangeAspect="1"/>
+          </p:cNvPicPr>
+          <p:nvPr/>
+        </p:nvPicPr>
+        <p:blipFill rotWithShape="1">
+          <a:blip r:embed="rId2"/>
+          <a:srcRect t="50000" r="55424" b="37010"/>
+          <a:stretch/>
+        </p:blipFill>
+        <p:spPr>
+          <a:xfrm>
+            <a:off x="5378678" y="2336873"/>
+            <a:ext cx="6813322" cy="4521127"/>
+          </a:xfrm>
+          <a:prstGeom prst="rect">
+            <a:avLst/>
+          </a:prstGeom>
+          <a:ln w="38100">
+            <a:solidFill>
+              <a:schemeClr val="bg1"/>
+            </a:solidFill>
+          </a:ln>
+        </p:spPr>
+      </p:pic>
     </p:spTree>
     <p:extLst>
       <p:ext uri="{BB962C8B-B14F-4D97-AF65-F5344CB8AC3E}">
@@ -9970,6 +10872,30 @@
               <a:t>Indirection</a:t>
             </a:r>
           </a:p>
+          <a:p>
+            <a:r>
+              <a:rPr lang="nl-BE" dirty="0"/>
+              <a:t>Maps for forms &amp; details</a:t>
+            </a:r>
+          </a:p>
+          <a:p>
+            <a:r>
+              <a:rPr lang="nl-BE" dirty="0"/>
+              <a:t>Initialize Clock, User, Projects</a:t>
+            </a:r>
+          </a:p>
+          <a:p>
+            <a:r>
+              <a:rPr lang="nl-BE" dirty="0"/>
+              <a:t>Checks permission</a:t>
+            </a:r>
+          </a:p>
+          <a:p>
+            <a:r>
+              <a:rPr lang="nl-BE" dirty="0"/>
+              <a:t>Create and signal XmlObject</a:t>
+            </a:r>
+          </a:p>
         </p:txBody>
       </p:sp>
       <p:sp>
@@ -9997,35 +10923,40 @@
           </a:p>
         </p:txBody>
       </p:sp>
-      <p:sp>
-        <p:nvSpPr>
-          <p:cNvPr id="4" name="Tijdelijke aanduiding voor voettekst 3">
+      <p:pic>
+        <p:nvPicPr>
+          <p:cNvPr id="7" name="Tijdelijke aanduiding voor inhoud 12">
             <a:extLst>
               <a:ext uri="{FF2B5EF4-FFF2-40B4-BE49-F238E27FC236}">
-                <a16:creationId xmlns:a16="http://schemas.microsoft.com/office/drawing/2014/main" id="{12DDA8B6-D7EC-1D48-80F7-FE36ADE9381C}"/>
+                <a16:creationId xmlns:a16="http://schemas.microsoft.com/office/drawing/2014/main" id="{8580AB55-25DC-644A-BF82-612FF2DCD8B4}"/>
               </a:ext>
             </a:extLst>
           </p:cNvPr>
-          <p:cNvSpPr>
-            <a:spLocks noGrp="1"/>
-          </p:cNvSpPr>
-          <p:nvPr>
-            <p:ph type="ftr" sz="quarter" idx="11"/>
-          </p:nvPr>
-        </p:nvSpPr>
-        <p:spPr/>
-        <p:txBody>
-          <a:bodyPr/>
-          <a:lstStyle/>
-          <a:p>
-            <a:r>
-              <a:rPr lang="en-US"/>
-              <a:t>Julien Benaouda, Jeroen Van Der Donckt &amp; Alexander Braekevelt</a:t>
-            </a:r>
-            <a:endParaRPr lang="en-US" dirty="0"/>
-          </a:p>
-        </p:txBody>
-      </p:sp>
+          <p:cNvPicPr>
+            <a:picLocks noChangeAspect="1"/>
+          </p:cNvPicPr>
+          <p:nvPr/>
+        </p:nvPicPr>
+        <p:blipFill rotWithShape="1">
+          <a:blip r:embed="rId2"/>
+          <a:srcRect l="40814" t="18210" b="64541"/>
+          <a:stretch/>
+        </p:blipFill>
+        <p:spPr>
+          <a:xfrm>
+            <a:off x="5378678" y="2336873"/>
+            <a:ext cx="6813322" cy="4521127"/>
+          </a:xfrm>
+          <a:prstGeom prst="rect">
+            <a:avLst/>
+          </a:prstGeom>
+          <a:ln w="38100">
+            <a:solidFill>
+              <a:schemeClr val="bg1"/>
+            </a:solidFill>
+          </a:ln>
+        </p:spPr>
+      </p:pic>
     </p:spTree>
     <p:extLst>
       <p:ext uri="{BB962C8B-B14F-4D97-AF65-F5344CB8AC3E}">
@@ -10116,6 +11047,30 @@
               <a:t>Information expert</a:t>
             </a:r>
           </a:p>
+          <a:p>
+            <a:r>
+              <a:rPr lang="nl-BE" dirty="0"/>
+              <a:t>Import/export logic</a:t>
+            </a:r>
+          </a:p>
+          <a:p>
+            <a:r>
+              <a:rPr lang="nl-BE" dirty="0"/>
+              <a:t>Classes add/get text info</a:t>
+            </a:r>
+          </a:p>
+          <a:p>
+            <a:r>
+              <a:rPr lang="nl-BE" dirty="0"/>
+              <a:t>Checks existence of values</a:t>
+            </a:r>
+          </a:p>
+          <a:p>
+            <a:r>
+              <a:rPr lang="nl-BE" dirty="0"/>
+              <a:t>Throws XmlException</a:t>
+            </a:r>
+          </a:p>
         </p:txBody>
       </p:sp>
       <p:sp>
@@ -10143,35 +11098,40 @@
           </a:p>
         </p:txBody>
       </p:sp>
-      <p:sp>
-        <p:nvSpPr>
-          <p:cNvPr id="4" name="Tijdelijke aanduiding voor voettekst 3">
+      <p:pic>
+        <p:nvPicPr>
+          <p:cNvPr id="7" name="Tijdelijke aanduiding voor inhoud 12">
             <a:extLst>
               <a:ext uri="{FF2B5EF4-FFF2-40B4-BE49-F238E27FC236}">
-                <a16:creationId xmlns:a16="http://schemas.microsoft.com/office/drawing/2014/main" id="{12DDA8B6-D7EC-1D48-80F7-FE36ADE9381C}"/>
+                <a16:creationId xmlns:a16="http://schemas.microsoft.com/office/drawing/2014/main" id="{14A6AD9C-DB98-694A-9F89-D4ACEC80235B}"/>
               </a:ext>
             </a:extLst>
           </p:cNvPr>
-          <p:cNvSpPr>
-            <a:spLocks noGrp="1"/>
-          </p:cNvSpPr>
-          <p:nvPr>
-            <p:ph type="ftr" sz="quarter" idx="11"/>
-          </p:nvPr>
-        </p:nvSpPr>
-        <p:spPr/>
-        <p:txBody>
-          <a:bodyPr/>
-          <a:lstStyle/>
-          <a:p>
-            <a:r>
-              <a:rPr lang="en-US"/>
-              <a:t>Julien Benaouda, Jeroen Van Der Donckt &amp; Alexander Braekevelt</a:t>
-            </a:r>
-            <a:endParaRPr lang="en-US" dirty="0"/>
-          </a:p>
-        </p:txBody>
-      </p:sp>
+          <p:cNvPicPr>
+            <a:picLocks noChangeAspect="1"/>
+          </p:cNvPicPr>
+          <p:nvPr/>
+        </p:nvPicPr>
+        <p:blipFill rotWithShape="1">
+          <a:blip r:embed="rId2"/>
+          <a:srcRect l="37434" t="35532" r="23152" b="52982"/>
+          <a:stretch/>
+        </p:blipFill>
+        <p:spPr>
+          <a:xfrm>
+            <a:off x="5378678" y="2336873"/>
+            <a:ext cx="6813322" cy="4521127"/>
+          </a:xfrm>
+          <a:prstGeom prst="rect">
+            <a:avLst/>
+          </a:prstGeom>
+          <a:ln w="38100">
+            <a:solidFill>
+              <a:schemeClr val="bg1"/>
+            </a:solidFill>
+          </a:ln>
+        </p:spPr>
+      </p:pic>
     </p:spTree>
     <p:extLst>
       <p:ext uri="{BB962C8B-B14F-4D97-AF65-F5344CB8AC3E}">
@@ -10259,13 +11219,37 @@
           <a:p>
             <a:r>
               <a:rPr lang="nl-BE" dirty="0"/>
+              <a:t>Creator</a:t>
+            </a:r>
+          </a:p>
+          <a:p>
+            <a:r>
+              <a:rPr lang="nl-BE" dirty="0"/>
               <a:t>Don’t Talk to Strangers</a:t>
             </a:r>
           </a:p>
           <a:p>
             <a:r>
               <a:rPr lang="nl-BE" dirty="0"/>
-              <a:t>Forms</a:t>
+              <a:t>Command line interface</a:t>
+            </a:r>
+          </a:p>
+          <a:p>
+            <a:r>
+              <a:rPr lang="nl-BE" dirty="0"/>
+              <a:t>Maps for forms &amp; details</a:t>
+            </a:r>
+          </a:p>
+          <a:p>
+            <a:r>
+              <a:rPr lang="nl-BE" dirty="0"/>
+              <a:t>Main function</a:t>
+            </a:r>
+          </a:p>
+          <a:p>
+            <a:r>
+              <a:rPr lang="nl-BE" dirty="0"/>
+              <a:t>Parse input strings</a:t>
             </a:r>
           </a:p>
           <a:p>
@@ -10307,35 +11291,40 @@
           </a:p>
         </p:txBody>
       </p:sp>
-      <p:sp>
-        <p:nvSpPr>
-          <p:cNvPr id="4" name="Tijdelijke aanduiding voor voettekst 3">
+      <p:pic>
+        <p:nvPicPr>
+          <p:cNvPr id="6" name="Tijdelijke aanduiding voor inhoud 12">
             <a:extLst>
               <a:ext uri="{FF2B5EF4-FFF2-40B4-BE49-F238E27FC236}">
-                <a16:creationId xmlns:a16="http://schemas.microsoft.com/office/drawing/2014/main" id="{12DDA8B6-D7EC-1D48-80F7-FE36ADE9381C}"/>
+                <a16:creationId xmlns:a16="http://schemas.microsoft.com/office/drawing/2014/main" id="{EB9F582E-5279-A44F-BF6F-56B586B11791}"/>
               </a:ext>
             </a:extLst>
           </p:cNvPr>
-          <p:cNvSpPr>
-            <a:spLocks noGrp="1"/>
-          </p:cNvSpPr>
-          <p:nvPr>
-            <p:ph type="ftr" sz="quarter" idx="11"/>
-          </p:nvPr>
-        </p:nvSpPr>
-        <p:spPr/>
-        <p:txBody>
-          <a:bodyPr/>
-          <a:lstStyle/>
-          <a:p>
-            <a:r>
-              <a:rPr lang="en-US"/>
-              <a:t>Julien Benaouda, Jeroen Van Der Donckt &amp; Alexander Braekevelt</a:t>
-            </a:r>
-            <a:endParaRPr lang="en-US" dirty="0"/>
-          </a:p>
-        </p:txBody>
-      </p:sp>
+          <p:cNvPicPr>
+            <a:picLocks noChangeAspect="1"/>
+          </p:cNvPicPr>
+          <p:nvPr/>
+        </p:nvPicPr>
+        <p:blipFill rotWithShape="1">
+          <a:blip r:embed="rId2"/>
+          <a:srcRect l="51347" t="1577" b="84244"/>
+          <a:stretch/>
+        </p:blipFill>
+        <p:spPr>
+          <a:xfrm>
+            <a:off x="5378678" y="2336873"/>
+            <a:ext cx="6813322" cy="4521127"/>
+          </a:xfrm>
+          <a:prstGeom prst="rect">
+            <a:avLst/>
+          </a:prstGeom>
+          <a:ln w="38100">
+            <a:solidFill>
+              <a:schemeClr val="bg1"/>
+            </a:solidFill>
+          </a:ln>
+        </p:spPr>
+      </p:pic>
     </p:spTree>
     <p:extLst>
       <p:ext uri="{BB962C8B-B14F-4D97-AF65-F5344CB8AC3E}">
